--- a/Documentação/15. Contexto de Negocio e Cenários.pptx
+++ b/Documentação/15. Contexto de Negocio e Cenários.pptx
@@ -9,10 +9,9 @@
     <p:sldId id="257" r:id="rId6"/>
     <p:sldId id="258" r:id="rId7"/>
     <p:sldId id="259" r:id="rId8"/>
-    <p:sldId id="260" r:id="rId9"/>
+    <p:sldId id="262" r:id="rId9"/>
     <p:sldId id="261" r:id="rId10"/>
-    <p:sldId id="262" r:id="rId11"/>
-    <p:sldId id="263" r:id="rId12"/>
+    <p:sldId id="263" r:id="rId11"/>
   </p:sldIdLst>
   <p:sldSz cx="12192000" cy="6858000"/>
   <p:notesSz cx="6858000" cy="9144000"/>
@@ -111,6 +110,11 @@
       </a:defRPr>
     </a:lvl9pPr>
   </p:defaultTextStyle>
+  <p:extLst>
+    <p:ext uri="{EFAFB233-063F-42B5-8137-9DF3F51BA10A}">
+      <p15:sldGuideLst xmlns:p15="http://schemas.microsoft.com/office/powerpoint/2012/main"/>
+    </p:ext>
+  </p:extLst>
 </p:presentation>
 </file>
 
@@ -3330,10 +3334,10 @@
       </p:grpSpPr>
       <p:pic>
         <p:nvPicPr>
-          <p:cNvPr id="8" name="Imagem 7">
-            <a:extLst>
-              <a:ext uri="{FF2B5EF4-FFF2-40B4-BE49-F238E27FC236}">
-                <a16:creationId xmlns:a16="http://schemas.microsoft.com/office/drawing/2014/main" id="{64086E93-F864-4664-B253-E15A43B2B3EE}"/>
+          <p:cNvPr id="7" name="Imagem 6">
+            <a:extLst>
+              <a:ext uri="{FF2B5EF4-FFF2-40B4-BE49-F238E27FC236}">
+                <a16:creationId xmlns:a16="http://schemas.microsoft.com/office/drawing/2014/main" id="{69C673ED-E7DE-49AD-8EB0-69C8DFD6FBCF}"/>
               </a:ext>
             </a:extLst>
           </p:cNvPr>
@@ -3356,8 +3360,8 @@
         </p:blipFill>
         <p:spPr>
           <a:xfrm>
-            <a:off x="1727981" y="196947"/>
-            <a:ext cx="8736037" cy="6464105"/>
+            <a:off x="0" y="0"/>
+            <a:ext cx="11232931" cy="6858000"/>
           </a:xfrm>
           <a:prstGeom prst="rect">
             <a:avLst/>
@@ -3396,10 +3400,10 @@
       </p:grpSpPr>
       <p:pic>
         <p:nvPicPr>
-          <p:cNvPr id="7" name="Imagem 6" descr="Texto preto sobre fundo branco&#10;&#10;Descrição gerada automaticamente">
-            <a:extLst>
-              <a:ext uri="{FF2B5EF4-FFF2-40B4-BE49-F238E27FC236}">
-                <a16:creationId xmlns:a16="http://schemas.microsoft.com/office/drawing/2014/main" id="{80BF4612-A0C7-44D3-A75E-5DA3D79B2B83}"/>
+          <p:cNvPr id="3" name="Imagem 2" descr="Uma imagem contendo relógio&#10;&#10;Descrição gerada automaticamente">
+            <a:extLst>
+              <a:ext uri="{FF2B5EF4-FFF2-40B4-BE49-F238E27FC236}">
+                <a16:creationId xmlns:a16="http://schemas.microsoft.com/office/drawing/2014/main" id="{A7178F94-B69A-40CA-9C57-17CE0DB3C504}"/>
               </a:ext>
             </a:extLst>
           </p:cNvPr>
@@ -3422,8 +3426,8 @@
         </p:blipFill>
         <p:spPr>
           <a:xfrm>
-            <a:off x="2224087" y="933450"/>
-            <a:ext cx="7743825" cy="4991100"/>
+            <a:off x="0" y="0"/>
+            <a:ext cx="11134816" cy="6858000"/>
           </a:xfrm>
           <a:prstGeom prst="rect">
             <a:avLst/>
@@ -3462,10 +3466,10 @@
       </p:grpSpPr>
       <p:pic>
         <p:nvPicPr>
-          <p:cNvPr id="5" name="Imagem 4" descr="Texto preto sobre fundo branco&#10;&#10;Descrição gerada automaticamente">
-            <a:extLst>
-              <a:ext uri="{FF2B5EF4-FFF2-40B4-BE49-F238E27FC236}">
-                <a16:creationId xmlns:a16="http://schemas.microsoft.com/office/drawing/2014/main" id="{E29D0E82-9F49-45E8-9F6B-57F864733EEC}"/>
+          <p:cNvPr id="4" name="Imagem 3" descr="Uma imagem contendo relógio&#10;&#10;Descrição gerada automaticamente">
+            <a:extLst>
+              <a:ext uri="{FF2B5EF4-FFF2-40B4-BE49-F238E27FC236}">
+                <a16:creationId xmlns:a16="http://schemas.microsoft.com/office/drawing/2014/main" id="{E0E6B2FA-7428-4E9C-B09D-41DAF3BE51E3}"/>
               </a:ext>
             </a:extLst>
           </p:cNvPr>
@@ -3488,8 +3492,8 @@
         </p:blipFill>
         <p:spPr>
           <a:xfrm>
-            <a:off x="2224087" y="838200"/>
-            <a:ext cx="7743825" cy="5181600"/>
+            <a:off x="0" y="0"/>
+            <a:ext cx="10430399" cy="6858000"/>
           </a:xfrm>
           <a:prstGeom prst="rect">
             <a:avLst/>
@@ -3528,10 +3532,10 @@
       </p:grpSpPr>
       <p:pic>
         <p:nvPicPr>
-          <p:cNvPr id="7" name="Imagem 6" descr="Tela de celular com texto preto sobre fundo branco&#10;&#10;Descrição gerada automaticamente">
-            <a:extLst>
-              <a:ext uri="{FF2B5EF4-FFF2-40B4-BE49-F238E27FC236}">
-                <a16:creationId xmlns:a16="http://schemas.microsoft.com/office/drawing/2014/main" id="{2DC86266-B4DE-4F34-A7D9-FFEB8CB50A26}"/>
+          <p:cNvPr id="3" name="Imagem 2" descr="Uma imagem contendo relógio&#10;&#10;Descrição gerada automaticamente">
+            <a:extLst>
+              <a:ext uri="{FF2B5EF4-FFF2-40B4-BE49-F238E27FC236}">
+                <a16:creationId xmlns:a16="http://schemas.microsoft.com/office/drawing/2014/main" id="{68B74B95-424C-45F4-BD51-580E8DE19EB8}"/>
               </a:ext>
             </a:extLst>
           </p:cNvPr>
@@ -3554,8 +3558,8 @@
         </p:blipFill>
         <p:spPr>
           <a:xfrm>
-            <a:off x="2176462" y="1090612"/>
-            <a:ext cx="7839075" cy="4676775"/>
+            <a:off x="0" y="0"/>
+            <a:ext cx="10923179" cy="6858000"/>
           </a:xfrm>
           <a:prstGeom prst="rect">
             <a:avLst/>
@@ -3594,10 +3598,10 @@
       </p:grpSpPr>
       <p:pic>
         <p:nvPicPr>
-          <p:cNvPr id="5" name="Imagem 4" descr="Uma imagem contendo texto&#10;&#10;Descrição gerada automaticamente">
-            <a:extLst>
-              <a:ext uri="{FF2B5EF4-FFF2-40B4-BE49-F238E27FC236}">
-                <a16:creationId xmlns:a16="http://schemas.microsoft.com/office/drawing/2014/main" id="{8390EB2B-B97C-49F2-8243-FF20258C4C76}"/>
+          <p:cNvPr id="6" name="Imagem 5" descr="Uma imagem contendo relógio&#10;&#10;Descrição gerada automaticamente">
+            <a:extLst>
+              <a:ext uri="{FF2B5EF4-FFF2-40B4-BE49-F238E27FC236}">
+                <a16:creationId xmlns:a16="http://schemas.microsoft.com/office/drawing/2014/main" id="{6017CBF4-BCEE-4CF6-917A-AD24112E0AA1}"/>
               </a:ext>
             </a:extLst>
           </p:cNvPr>
@@ -3620,8 +3624,8 @@
         </p:blipFill>
         <p:spPr>
           <a:xfrm>
-            <a:off x="2224087" y="838200"/>
-            <a:ext cx="7743825" cy="5181600"/>
+            <a:off x="-189142" y="0"/>
+            <a:ext cx="10832923" cy="6858000"/>
           </a:xfrm>
           <a:prstGeom prst="rect">
             <a:avLst/>
@@ -3631,7 +3635,7 @@
     </p:spTree>
     <p:extLst>
       <p:ext uri="{BB962C8B-B14F-4D97-AF65-F5344CB8AC3E}">
-        <p14:creationId xmlns:p14="http://schemas.microsoft.com/office/powerpoint/2010/main" val="698264011"/>
+        <p14:creationId xmlns:p14="http://schemas.microsoft.com/office/powerpoint/2010/main" val="2753173444"/>
       </p:ext>
     </p:extLst>
   </p:cSld>
@@ -3660,10 +3664,10 @@
       </p:grpSpPr>
       <p:pic>
         <p:nvPicPr>
-          <p:cNvPr id="9" name="Imagem 8" descr="Texto preto sobre fundo branco&#10;&#10;Descrição gerada automaticamente">
-            <a:extLst>
-              <a:ext uri="{FF2B5EF4-FFF2-40B4-BE49-F238E27FC236}">
-                <a16:creationId xmlns:a16="http://schemas.microsoft.com/office/drawing/2014/main" id="{AA71566B-6A50-4F6B-A105-92EDDAF20F78}"/>
+          <p:cNvPr id="3" name="Imagem 2" descr="Uma imagem contendo relógio&#10;&#10;Descrição gerada automaticamente">
+            <a:extLst>
+              <a:ext uri="{FF2B5EF4-FFF2-40B4-BE49-F238E27FC236}">
+                <a16:creationId xmlns:a16="http://schemas.microsoft.com/office/drawing/2014/main" id="{189722EE-A36C-44D0-A3B9-C079388294BE}"/>
               </a:ext>
             </a:extLst>
           </p:cNvPr>
@@ -3686,8 +3690,8 @@
         </p:blipFill>
         <p:spPr>
           <a:xfrm>
-            <a:off x="2224087" y="933450"/>
-            <a:ext cx="7743825" cy="4991100"/>
+            <a:off x="1082062" y="0"/>
+            <a:ext cx="10027875" cy="6858000"/>
           </a:xfrm>
           <a:prstGeom prst="rect">
             <a:avLst/>
@@ -3726,10 +3730,10 @@
       </p:grpSpPr>
       <p:pic>
         <p:nvPicPr>
-          <p:cNvPr id="5" name="Imagem 4" descr="Tela de celular com texto preto sobre fundo branco&#10;&#10;Descrição gerada automaticamente">
-            <a:extLst>
-              <a:ext uri="{FF2B5EF4-FFF2-40B4-BE49-F238E27FC236}">
-                <a16:creationId xmlns:a16="http://schemas.microsoft.com/office/drawing/2014/main" id="{A96664C6-62DE-4C04-A1A4-9468E429AFFB}"/>
+          <p:cNvPr id="3" name="Imagem 2" descr="Uma imagem contendo objeto, relógio&#10;&#10;Descrição gerada automaticamente">
+            <a:extLst>
+              <a:ext uri="{FF2B5EF4-FFF2-40B4-BE49-F238E27FC236}">
+                <a16:creationId xmlns:a16="http://schemas.microsoft.com/office/drawing/2014/main" id="{6BBE4444-341F-44D2-B20F-55F11226C970}"/>
               </a:ext>
             </a:extLst>
           </p:cNvPr>
@@ -3752,74 +3756,8 @@
         </p:blipFill>
         <p:spPr>
           <a:xfrm>
-            <a:off x="2224087" y="885825"/>
-            <a:ext cx="7743825" cy="5086350"/>
-          </a:xfrm>
-          <a:prstGeom prst="rect">
-            <a:avLst/>
-          </a:prstGeom>
-        </p:spPr>
-      </p:pic>
-    </p:spTree>
-    <p:extLst>
-      <p:ext uri="{BB962C8B-B14F-4D97-AF65-F5344CB8AC3E}">
-        <p14:creationId xmlns:p14="http://schemas.microsoft.com/office/powerpoint/2010/main" val="2753173444"/>
-      </p:ext>
-    </p:extLst>
-  </p:cSld>
-  <p:clrMapOvr>
-    <a:masterClrMapping/>
-  </p:clrMapOvr>
-</p:sld>
-</file>
-
-<file path=ppt/slides/slide8.xml><?xml version="1.0" encoding="utf-8"?>
-<p:sld xmlns:a="http://schemas.openxmlformats.org/drawingml/2006/main" xmlns:r="http://schemas.openxmlformats.org/officeDocument/2006/relationships" xmlns:p="http://schemas.openxmlformats.org/presentationml/2006/main">
-  <p:cSld>
-    <p:spTree>
-      <p:nvGrpSpPr>
-        <p:cNvPr id="1" name=""/>
-        <p:cNvGrpSpPr/>
-        <p:nvPr/>
-      </p:nvGrpSpPr>
-      <p:grpSpPr>
-        <a:xfrm>
-          <a:off x="0" y="0"/>
-          <a:ext cx="0" cy="0"/>
-          <a:chOff x="0" y="0"/>
-          <a:chExt cx="0" cy="0"/>
-        </a:xfrm>
-      </p:grpSpPr>
-      <p:pic>
-        <p:nvPicPr>
-          <p:cNvPr id="9" name="Imagem 8" descr="Mapa colorido com texto preto sobre fundo branco&#10;&#10;Descrição gerada automaticamente">
-            <a:extLst>
-              <a:ext uri="{FF2B5EF4-FFF2-40B4-BE49-F238E27FC236}">
-                <a16:creationId xmlns:a16="http://schemas.microsoft.com/office/drawing/2014/main" id="{C9BFE3BF-F608-4A76-ABA2-D6606ED95818}"/>
-              </a:ext>
-            </a:extLst>
-          </p:cNvPr>
-          <p:cNvPicPr>
-            <a:picLocks noChangeAspect="1"/>
-          </p:cNvPicPr>
-          <p:nvPr/>
-        </p:nvPicPr>
-        <p:blipFill>
-          <a:blip r:embed="rId2">
-            <a:extLst>
-              <a:ext uri="{28A0092B-C50C-407E-A947-70E740481C1C}">
-                <a14:useLocalDpi xmlns:a14="http://schemas.microsoft.com/office/drawing/2010/main" val="0"/>
-              </a:ext>
-            </a:extLst>
-          </a:blip>
-          <a:stretch>
-            <a:fillRect/>
-          </a:stretch>
-        </p:blipFill>
-        <p:spPr>
-          <a:xfrm>
-            <a:off x="2419350" y="280987"/>
-            <a:ext cx="7353300" cy="6296025"/>
+            <a:off x="-437936" y="0"/>
+            <a:ext cx="11537340" cy="6858000"/>
           </a:xfrm>
           <a:prstGeom prst="rect">
             <a:avLst/>
@@ -4135,6 +4073,21 @@
 </file>
 
 <file path=customXml/item1.xml><?xml version="1.0" encoding="utf-8"?>
+<p:properties xmlns:p="http://schemas.microsoft.com/office/2006/metadata/properties" xmlns:xsi="http://www.w3.org/2001/XMLSchema-instance" xmlns:pc="http://schemas.microsoft.com/office/infopath/2007/PartnerControls">
+  <documentManagement/>
+</p:properties>
+</file>
+
+<file path=customXml/item2.xml><?xml version="1.0" encoding="utf-8"?>
+<?mso-contentType ?>
+<FormTemplates xmlns="http://schemas.microsoft.com/sharepoint/v3/contenttype/forms">
+  <Display>DocumentLibraryForm</Display>
+  <Edit>DocumentLibraryForm</Edit>
+  <New>DocumentLibraryForm</New>
+</FormTemplates>
+</file>
+
+<file path=customXml/item3.xml><?xml version="1.0" encoding="utf-8"?>
 <ct:contentTypeSchema xmlns:ct="http://schemas.microsoft.com/office/2006/metadata/contentType" xmlns:ma="http://schemas.microsoft.com/office/2006/metadata/properties/metaAttributes" ct:_="" ma:_="" ma:contentTypeName="Documento" ma:contentTypeID="0x010100772BE7DEED9CB0448697ECD819E1C90E" ma:contentTypeVersion="2" ma:contentTypeDescription="Crie um novo documento." ma:contentTypeScope="" ma:versionID="a0b2dc2258f01523359718e962ea0897">
   <xsd:schema xmlns:xsd="http://www.w3.org/2001/XMLSchema" xmlns:xs="http://www.w3.org/2001/XMLSchema" xmlns:p="http://schemas.microsoft.com/office/2006/metadata/properties" xmlns:ns3="fb3b3ee3-9a64-427c-94c9-c1736b977cb1" targetNamespace="http://schemas.microsoft.com/office/2006/metadata/properties" ma:root="true" ma:fieldsID="b4cb11c75ac5d491669109b11a266c97" ns3:_="">
     <xsd:import namespace="fb3b3ee3-9a64-427c-94c9-c1736b977cb1"/>
@@ -4266,22 +4219,31 @@
 </ct:contentTypeSchema>
 </file>
 
-<file path=customXml/item2.xml><?xml version="1.0" encoding="utf-8"?>
-<?mso-contentType ?>
-<FormTemplates xmlns="http://schemas.microsoft.com/sharepoint/v3/contenttype/forms">
-  <Display>DocumentLibraryForm</Display>
-  <Edit>DocumentLibraryForm</Edit>
-  <New>DocumentLibraryForm</New>
-</FormTemplates>
+<file path=customXml/itemProps1.xml><?xml version="1.0" encoding="utf-8"?>
+<ds:datastoreItem xmlns:ds="http://schemas.openxmlformats.org/officeDocument/2006/customXml" ds:itemID="{04B97AF2-87F6-4E05-B452-90C12EB04B36}">
+  <ds:schemaRefs>
+    <ds:schemaRef ds:uri="http://schemas.microsoft.com/office/2006/documentManagement/types"/>
+    <ds:schemaRef ds:uri="http://schemas.microsoft.com/office/infopath/2007/PartnerControls"/>
+    <ds:schemaRef ds:uri="http://purl.org/dc/elements/1.1/"/>
+    <ds:schemaRef ds:uri="http://schemas.microsoft.com/office/2006/metadata/properties"/>
+    <ds:schemaRef ds:uri="http://purl.org/dc/terms/"/>
+    <ds:schemaRef ds:uri="http://schemas.openxmlformats.org/package/2006/metadata/core-properties"/>
+    <ds:schemaRef ds:uri="fb3b3ee3-9a64-427c-94c9-c1736b977cb1"/>
+    <ds:schemaRef ds:uri="http://www.w3.org/XML/1998/namespace"/>
+    <ds:schemaRef ds:uri="http://purl.org/dc/dcmitype/"/>
+  </ds:schemaRefs>
+</ds:datastoreItem>
 </file>
 
-<file path=customXml/item3.xml><?xml version="1.0" encoding="utf-8"?>
-<p:properties xmlns:p="http://schemas.microsoft.com/office/2006/metadata/properties" xmlns:xsi="http://www.w3.org/2001/XMLSchema-instance" xmlns:pc="http://schemas.microsoft.com/office/infopath/2007/PartnerControls">
-  <documentManagement/>
-</p:properties>
+<file path=customXml/itemProps2.xml><?xml version="1.0" encoding="utf-8"?>
+<ds:datastoreItem xmlns:ds="http://schemas.openxmlformats.org/officeDocument/2006/customXml" ds:itemID="{53553887-B282-40CE-AF9E-05F5A9AAC09D}">
+  <ds:schemaRefs>
+    <ds:schemaRef ds:uri="http://schemas.microsoft.com/sharepoint/v3/contenttype/forms"/>
+  </ds:schemaRefs>
+</ds:datastoreItem>
 </file>
 
-<file path=customXml/itemProps1.xml><?xml version="1.0" encoding="utf-8"?>
+<file path=customXml/itemProps3.xml><?xml version="1.0" encoding="utf-8"?>
 <ds:datastoreItem xmlns:ds="http://schemas.openxmlformats.org/officeDocument/2006/customXml" ds:itemID="{B4AF9702-243F-4402-A1F6-A76C903DDCF6}">
   <ds:schemaRefs>
     <ds:schemaRef ds:uri="http://schemas.microsoft.com/office/2006/metadata/contentType"/>
@@ -4297,28 +4259,4 @@
     <ds:schemaRef ds:uri="http://schemas.microsoft.com/internal/obd"/>
   </ds:schemaRefs>
 </ds:datastoreItem>
-</file>
-
-<file path=customXml/itemProps2.xml><?xml version="1.0" encoding="utf-8"?>
-<ds:datastoreItem xmlns:ds="http://schemas.openxmlformats.org/officeDocument/2006/customXml" ds:itemID="{53553887-B282-40CE-AF9E-05F5A9AAC09D}">
-  <ds:schemaRefs>
-    <ds:schemaRef ds:uri="http://schemas.microsoft.com/sharepoint/v3/contenttype/forms"/>
-  </ds:schemaRefs>
-</ds:datastoreItem>
-</file>
-
-<file path=customXml/itemProps3.xml><?xml version="1.0" encoding="utf-8"?>
-<ds:datastoreItem xmlns:ds="http://schemas.openxmlformats.org/officeDocument/2006/customXml" ds:itemID="{04B97AF2-87F6-4E05-B452-90C12EB04B36}">
-  <ds:schemaRefs>
-    <ds:schemaRef ds:uri="http://schemas.microsoft.com/office/2006/documentManagement/types"/>
-    <ds:schemaRef ds:uri="http://schemas.microsoft.com/office/infopath/2007/PartnerControls"/>
-    <ds:schemaRef ds:uri="http://purl.org/dc/elements/1.1/"/>
-    <ds:schemaRef ds:uri="http://schemas.microsoft.com/office/2006/metadata/properties"/>
-    <ds:schemaRef ds:uri="http://purl.org/dc/terms/"/>
-    <ds:schemaRef ds:uri="http://schemas.openxmlformats.org/package/2006/metadata/core-properties"/>
-    <ds:schemaRef ds:uri="fb3b3ee3-9a64-427c-94c9-c1736b977cb1"/>
-    <ds:schemaRef ds:uri="http://www.w3.org/XML/1998/namespace"/>
-    <ds:schemaRef ds:uri="http://purl.org/dc/dcmitype/"/>
-  </ds:schemaRefs>
-</ds:datastoreItem>
 </file>